--- a/Documents/personas/Personas.pptx
+++ b/Documents/personas/Personas.pptx
@@ -119,7 +119,7 @@
           <a:p>
             <a:fld id="{24FCF4EB-3BC9-F74A-A5D6-5FFDAAF8F1CE}" type="datetimeFigureOut">
               <a:rPr lang="en-GB" smtClean="0"/>
-              <a:t>17/05/2025</a:t>
+              <a:t>05/06/2025</a:t>
             </a:fld>
             <a:endParaRPr lang="en-GB"/>
           </a:p>
@@ -277,7 +277,7 @@
           <a:p>
             <a:fld id="{1CDF132A-86FD-2242-9F57-573AEB3E6077}" type="slidenum">
               <a:rPr lang="en-GB" smtClean="0"/>
-              <a:t>‹#›</a:t>
+              <a:t>‹Nr.›</a:t>
             </a:fld>
             <a:endParaRPr lang="en-GB"/>
           </a:p>
@@ -717,7 +717,7 @@
           <a:p>
             <a:fld id="{1D8BD707-D9CF-40AE-B4C6-C98DA3205C09}" type="datetimeFigureOut">
               <a:rPr lang="en-US"/>
-              <a:t>5/17/25</a:t>
+              <a:t>6/5/2025</a:t>
             </a:fld>
             <a:endParaRPr lang="en-US"/>
           </a:p>
@@ -749,7 +749,7 @@
           </a:lstStyle>
           <a:p>
             <a:fld id="{B6F15528-21DE-4FAA-801E-634DDDAF4B2B}" type="slidenum">
-              <a:t>‹#›</a:t>
+              <a:t>‹Nr.›</a:t>
             </a:fld>
             <a:endParaRPr/>
           </a:p>
@@ -882,7 +882,7 @@
           <a:p>
             <a:fld id="{1D8BD707-D9CF-40AE-B4C6-C98DA3205C09}" type="datetimeFigureOut">
               <a:rPr lang="en-US"/>
-              <a:t>5/17/25</a:t>
+              <a:t>6/5/2025</a:t>
             </a:fld>
             <a:endParaRPr lang="en-US"/>
           </a:p>
@@ -914,7 +914,7 @@
           </a:lstStyle>
           <a:p>
             <a:fld id="{B6F15528-21DE-4FAA-801E-634DDDAF4B2B}" type="slidenum">
-              <a:t>‹#›</a:t>
+              <a:t>‹Nr.›</a:t>
             </a:fld>
             <a:endParaRPr/>
           </a:p>
@@ -1090,7 +1090,7 @@
           <a:p>
             <a:fld id="{1D8BD707-D9CF-40AE-B4C6-C98DA3205C09}" type="datetimeFigureOut">
               <a:rPr lang="en-US"/>
-              <a:t>5/17/25</a:t>
+              <a:t>6/5/2025</a:t>
             </a:fld>
             <a:endParaRPr lang="en-US"/>
           </a:p>
@@ -1122,7 +1122,7 @@
           </a:lstStyle>
           <a:p>
             <a:fld id="{B6F15528-21DE-4FAA-801E-634DDDAF4B2B}" type="slidenum">
-              <a:t>‹#›</a:t>
+              <a:t>‹Nr.›</a:t>
             </a:fld>
             <a:endParaRPr/>
           </a:p>
@@ -1232,7 +1232,7 @@
           <a:p>
             <a:fld id="{1D8BD707-D9CF-40AE-B4C6-C98DA3205C09}" type="datetimeFigureOut">
               <a:rPr lang="en-US"/>
-              <a:t>5/17/25</a:t>
+              <a:t>6/5/2025</a:t>
             </a:fld>
             <a:endParaRPr lang="en-US"/>
           </a:p>
@@ -1264,7 +1264,7 @@
           </a:lstStyle>
           <a:p>
             <a:fld id="{B6F15528-21DE-4FAA-801E-634DDDAF4B2B}" type="slidenum">
-              <a:t>‹#›</a:t>
+              <a:t>‹Nr.›</a:t>
             </a:fld>
             <a:endParaRPr/>
           </a:p>
@@ -1351,7 +1351,7 @@
           <a:p>
             <a:fld id="{1D8BD707-D9CF-40AE-B4C6-C98DA3205C09}" type="datetimeFigureOut">
               <a:rPr lang="en-US"/>
-              <a:t>5/17/25</a:t>
+              <a:t>6/5/2025</a:t>
             </a:fld>
             <a:endParaRPr lang="en-US"/>
           </a:p>
@@ -1383,7 +1383,7 @@
           </a:lstStyle>
           <a:p>
             <a:fld id="{B6F15528-21DE-4FAA-801E-634DDDAF4B2B}" type="slidenum">
-              <a:t>‹#›</a:t>
+              <a:t>‹Nr.›</a:t>
             </a:fld>
             <a:endParaRPr/>
           </a:p>
@@ -2250,7 +2250,7 @@
           <a:p>
             <a:fld id="{1D8BD707-D9CF-40AE-B4C6-C98DA3205C09}" type="datetimeFigureOut">
               <a:rPr lang="en-US"/>
-              <a:t>5/17/25</a:t>
+              <a:t>6/5/2025</a:t>
             </a:fld>
             <a:endParaRPr lang="en-US"/>
           </a:p>
@@ -2292,7 +2292,7 @@
           </a:lstStyle>
           <a:p>
             <a:fld id="{B6F15528-21DE-4FAA-801E-634DDDAF4B2B}" type="slidenum">
-              <a:t>‹#›</a:t>
+              <a:t>‹Nr.›</a:t>
             </a:fld>
             <a:endParaRPr/>
           </a:p>
@@ -3385,7 +3385,27 @@
                 <a:latin typeface="Trebuchet MS"/>
                 <a:cs typeface="Trebuchet MS"/>
               </a:rPr>
-              <a:t>Wat</a:t>
+              <a:t>W</a:t>
+            </a:r>
+            <a:r>
+              <a:rPr lang="de-CH" sz="900" dirty="0">
+                <a:solidFill>
+                  <a:srgbClr val="58595B"/>
+                </a:solidFill>
+                <a:latin typeface="Trebuchet MS"/>
+                <a:cs typeface="Trebuchet MS"/>
+              </a:rPr>
+              <a:t>h</a:t>
+            </a:r>
+            <a:r>
+              <a:rPr sz="900" dirty="0">
+                <a:solidFill>
+                  <a:srgbClr val="58595B"/>
+                </a:solidFill>
+                <a:latin typeface="Trebuchet MS"/>
+                <a:cs typeface="Trebuchet MS"/>
+              </a:rPr>
+              <a:t>at</a:t>
             </a:r>
             <a:r>
               <a:rPr sz="900" spc="-5" dirty="0">
@@ -5198,794 +5218,14 @@
               </a:spcBef>
             </a:pPr>
             <a:r>
-              <a:rPr sz="900" dirty="0">
-                <a:solidFill>
-                  <a:srgbClr val="58595B"/>
-                </a:solidFill>
-                <a:latin typeface="Trebuchet MS"/>
-                <a:cs typeface="Trebuchet MS"/>
-              </a:rPr>
-              <a:t>What does</a:t>
-            </a:r>
-            <a:r>
-              <a:rPr sz="900" spc="5" dirty="0">
-                <a:solidFill>
-                  <a:srgbClr val="58595B"/>
-                </a:solidFill>
-                <a:latin typeface="Trebuchet MS"/>
-                <a:cs typeface="Trebuchet MS"/>
-              </a:rPr>
-              <a:t> </a:t>
-            </a:r>
-            <a:r>
-              <a:rPr sz="900" dirty="0">
-                <a:solidFill>
-                  <a:srgbClr val="58595B"/>
-                </a:solidFill>
-                <a:latin typeface="Trebuchet MS"/>
-                <a:cs typeface="Trebuchet MS"/>
-              </a:rPr>
-              <a:t>she</a:t>
-            </a:r>
-            <a:r>
-              <a:rPr sz="900" spc="5" dirty="0">
-                <a:solidFill>
-                  <a:srgbClr val="58595B"/>
-                </a:solidFill>
-                <a:latin typeface="Trebuchet MS"/>
-                <a:cs typeface="Trebuchet MS"/>
-              </a:rPr>
-              <a:t> </a:t>
-            </a:r>
-            <a:r>
-              <a:rPr sz="900" spc="75" dirty="0">
-                <a:solidFill>
-                  <a:srgbClr val="58595B"/>
-                </a:solidFill>
-                <a:latin typeface="Trebuchet MS"/>
-                <a:cs typeface="Trebuchet MS"/>
-              </a:rPr>
-              <a:t>do?</a:t>
-            </a:r>
-            <a:r>
-              <a:rPr sz="900" spc="5" dirty="0">
-                <a:solidFill>
-                  <a:srgbClr val="58595B"/>
-                </a:solidFill>
-                <a:latin typeface="Trebuchet MS"/>
-                <a:cs typeface="Trebuchet MS"/>
-              </a:rPr>
-              <a:t> </a:t>
-            </a:r>
-            <a:r>
-              <a:rPr sz="900" spc="-70" dirty="0">
-                <a:solidFill>
-                  <a:srgbClr val="58595B"/>
-                </a:solidFill>
-                <a:latin typeface="Trebuchet MS"/>
-                <a:cs typeface="Trebuchet MS"/>
-              </a:rPr>
-              <a:t>Tell</a:t>
-            </a:r>
-            <a:r>
-              <a:rPr sz="900" dirty="0">
-                <a:solidFill>
-                  <a:srgbClr val="58595B"/>
-                </a:solidFill>
-                <a:latin typeface="Trebuchet MS"/>
-                <a:cs typeface="Trebuchet MS"/>
-              </a:rPr>
-              <a:t> stories</a:t>
-            </a:r>
-            <a:r>
-              <a:rPr sz="900" spc="5" dirty="0">
-                <a:solidFill>
-                  <a:srgbClr val="58595B"/>
-                </a:solidFill>
-                <a:latin typeface="Trebuchet MS"/>
-                <a:cs typeface="Trebuchet MS"/>
-              </a:rPr>
-              <a:t> </a:t>
-            </a:r>
-            <a:r>
-              <a:rPr sz="900" dirty="0">
-                <a:solidFill>
-                  <a:srgbClr val="58595B"/>
-                </a:solidFill>
-                <a:latin typeface="Trebuchet MS"/>
-                <a:cs typeface="Trebuchet MS"/>
-              </a:rPr>
-              <a:t>about</a:t>
-            </a:r>
-            <a:r>
-              <a:rPr sz="900" spc="5" dirty="0">
-                <a:solidFill>
-                  <a:srgbClr val="58595B"/>
-                </a:solidFill>
-                <a:latin typeface="Trebuchet MS"/>
-                <a:cs typeface="Trebuchet MS"/>
-              </a:rPr>
-              <a:t> </a:t>
-            </a:r>
-            <a:r>
-              <a:rPr sz="900" spc="-10" dirty="0">
-                <a:solidFill>
-                  <a:srgbClr val="58595B"/>
-                </a:solidFill>
-                <a:latin typeface="Trebuchet MS"/>
-                <a:cs typeface="Trebuchet MS"/>
-              </a:rPr>
-              <a:t>her</a:t>
-            </a:r>
-            <a:r>
-              <a:rPr sz="900" spc="5" dirty="0">
-                <a:solidFill>
-                  <a:srgbClr val="58595B"/>
-                </a:solidFill>
-                <a:latin typeface="Trebuchet MS"/>
-                <a:cs typeface="Trebuchet MS"/>
-              </a:rPr>
-              <a:t> </a:t>
-            </a:r>
-            <a:r>
-              <a:rPr sz="900" dirty="0">
-                <a:solidFill>
-                  <a:srgbClr val="58595B"/>
-                </a:solidFill>
-                <a:latin typeface="Trebuchet MS"/>
-                <a:cs typeface="Trebuchet MS"/>
-              </a:rPr>
-              <a:t>behaviour </a:t>
-            </a:r>
-            <a:r>
-              <a:rPr sz="900" spc="-25" dirty="0">
-                <a:solidFill>
-                  <a:srgbClr val="58595B"/>
-                </a:solidFill>
-                <a:latin typeface="Trebuchet MS"/>
-                <a:cs typeface="Trebuchet MS"/>
-              </a:rPr>
-              <a:t>while</a:t>
-            </a:r>
-            <a:r>
-              <a:rPr sz="900" spc="5" dirty="0">
-                <a:solidFill>
-                  <a:srgbClr val="58595B"/>
-                </a:solidFill>
-                <a:latin typeface="Trebuchet MS"/>
-                <a:cs typeface="Trebuchet MS"/>
-              </a:rPr>
-              <a:t> </a:t>
-            </a:r>
-            <a:r>
-              <a:rPr sz="900" dirty="0">
-                <a:solidFill>
-                  <a:srgbClr val="58595B"/>
-                </a:solidFill>
-                <a:latin typeface="Trebuchet MS"/>
-                <a:cs typeface="Trebuchet MS"/>
-              </a:rPr>
-              <a:t>using</a:t>
-            </a:r>
-            <a:r>
-              <a:rPr sz="900" spc="5" dirty="0">
-                <a:solidFill>
-                  <a:srgbClr val="58595B"/>
-                </a:solidFill>
-                <a:latin typeface="Trebuchet MS"/>
-                <a:cs typeface="Trebuchet MS"/>
-              </a:rPr>
-              <a:t> </a:t>
-            </a:r>
-            <a:r>
-              <a:rPr sz="900" dirty="0">
-                <a:solidFill>
-                  <a:srgbClr val="58595B"/>
-                </a:solidFill>
-                <a:latin typeface="Trebuchet MS"/>
-                <a:cs typeface="Trebuchet MS"/>
-              </a:rPr>
-              <a:t>a </a:t>
-            </a:r>
-            <a:r>
-              <a:rPr sz="900" spc="-10" dirty="0">
-                <a:solidFill>
-                  <a:srgbClr val="58595B"/>
-                </a:solidFill>
-                <a:latin typeface="Trebuchet MS"/>
-                <a:cs typeface="Trebuchet MS"/>
-              </a:rPr>
-              <a:t>service,</a:t>
-            </a:r>
-            <a:r>
-              <a:rPr sz="900" spc="5" dirty="0">
-                <a:solidFill>
-                  <a:srgbClr val="58595B"/>
-                </a:solidFill>
-                <a:latin typeface="Trebuchet MS"/>
-                <a:cs typeface="Trebuchet MS"/>
-              </a:rPr>
-              <a:t> </a:t>
-            </a:r>
-            <a:r>
-              <a:rPr sz="900" dirty="0">
-                <a:solidFill>
-                  <a:srgbClr val="58595B"/>
-                </a:solidFill>
-                <a:latin typeface="Trebuchet MS"/>
-                <a:cs typeface="Trebuchet MS"/>
-              </a:rPr>
-              <a:t>product</a:t>
-            </a:r>
-            <a:r>
-              <a:rPr sz="900" spc="5" dirty="0">
-                <a:solidFill>
-                  <a:srgbClr val="58595B"/>
-                </a:solidFill>
-                <a:latin typeface="Trebuchet MS"/>
-                <a:cs typeface="Trebuchet MS"/>
-              </a:rPr>
-              <a:t> </a:t>
-            </a:r>
-            <a:r>
-              <a:rPr sz="900" dirty="0">
-                <a:solidFill>
-                  <a:srgbClr val="58595B"/>
-                </a:solidFill>
-                <a:latin typeface="Trebuchet MS"/>
-                <a:cs typeface="Trebuchet MS"/>
-              </a:rPr>
-              <a:t>or</a:t>
-            </a:r>
-            <a:r>
-              <a:rPr sz="900" spc="5" dirty="0">
-                <a:solidFill>
-                  <a:srgbClr val="58595B"/>
-                </a:solidFill>
-                <a:latin typeface="Trebuchet MS"/>
-                <a:cs typeface="Trebuchet MS"/>
-              </a:rPr>
-              <a:t> </a:t>
-            </a:r>
-            <a:r>
-              <a:rPr sz="900" spc="-30" dirty="0">
-                <a:solidFill>
-                  <a:srgbClr val="58595B"/>
-                </a:solidFill>
-                <a:latin typeface="Trebuchet MS"/>
-                <a:cs typeface="Trebuchet MS"/>
-              </a:rPr>
-              <a:t>site.</a:t>
-            </a:r>
-            <a:r>
-              <a:rPr sz="900" dirty="0">
-                <a:solidFill>
-                  <a:srgbClr val="58595B"/>
-                </a:solidFill>
-                <a:latin typeface="Trebuchet MS"/>
-                <a:cs typeface="Trebuchet MS"/>
-              </a:rPr>
-              <a:t> Channel</a:t>
-            </a:r>
-            <a:r>
-              <a:rPr sz="900" spc="5" dirty="0">
-                <a:solidFill>
-                  <a:srgbClr val="58595B"/>
-                </a:solidFill>
-                <a:latin typeface="Trebuchet MS"/>
-                <a:cs typeface="Trebuchet MS"/>
-              </a:rPr>
-              <a:t> </a:t>
-            </a:r>
-            <a:r>
-              <a:rPr sz="900" dirty="0">
-                <a:solidFill>
-                  <a:srgbClr val="58595B"/>
-                </a:solidFill>
-                <a:latin typeface="Trebuchet MS"/>
-                <a:cs typeface="Trebuchet MS"/>
-              </a:rPr>
-              <a:t>usage</a:t>
-            </a:r>
-            <a:r>
-              <a:rPr sz="900" spc="5" dirty="0">
-                <a:solidFill>
-                  <a:srgbClr val="58595B"/>
-                </a:solidFill>
-                <a:latin typeface="Trebuchet MS"/>
-                <a:cs typeface="Trebuchet MS"/>
-              </a:rPr>
-              <a:t> </a:t>
-            </a:r>
-            <a:r>
-              <a:rPr sz="900" spc="-35" dirty="0">
-                <a:solidFill>
-                  <a:srgbClr val="58595B"/>
-                </a:solidFill>
-                <a:latin typeface="Trebuchet MS"/>
-                <a:cs typeface="Trebuchet MS"/>
-              </a:rPr>
-              <a:t>for</a:t>
-            </a:r>
-            <a:r>
-              <a:rPr sz="900" spc="5" dirty="0">
-                <a:solidFill>
-                  <a:srgbClr val="58595B"/>
-                </a:solidFill>
-                <a:latin typeface="Trebuchet MS"/>
-                <a:cs typeface="Trebuchet MS"/>
-              </a:rPr>
-              <a:t> </a:t>
-            </a:r>
-            <a:r>
-              <a:rPr sz="900" dirty="0">
-                <a:solidFill>
-                  <a:srgbClr val="58595B"/>
-                </a:solidFill>
-                <a:latin typeface="Trebuchet MS"/>
-                <a:cs typeface="Trebuchet MS"/>
-              </a:rPr>
-              <a:t>various needs</a:t>
-            </a:r>
-            <a:r>
-              <a:rPr sz="900" spc="5" dirty="0">
-                <a:solidFill>
-                  <a:srgbClr val="58595B"/>
-                </a:solidFill>
-                <a:latin typeface="Trebuchet MS"/>
-                <a:cs typeface="Trebuchet MS"/>
-              </a:rPr>
-              <a:t> </a:t>
-            </a:r>
-            <a:r>
-              <a:rPr sz="900" spc="-45" dirty="0">
-                <a:solidFill>
-                  <a:srgbClr val="58595B"/>
-                </a:solidFill>
-                <a:latin typeface="Trebuchet MS"/>
-                <a:cs typeface="Trebuchet MS"/>
-              </a:rPr>
-              <a:t>(internet,</a:t>
-            </a:r>
-            <a:r>
-              <a:rPr sz="900" spc="5" dirty="0">
-                <a:solidFill>
-                  <a:srgbClr val="58595B"/>
-                </a:solidFill>
-                <a:latin typeface="Trebuchet MS"/>
-                <a:cs typeface="Trebuchet MS"/>
-              </a:rPr>
-              <a:t> </a:t>
-            </a:r>
-            <a:r>
-              <a:rPr sz="900" spc="-20" dirty="0">
-                <a:solidFill>
-                  <a:srgbClr val="58595B"/>
-                </a:solidFill>
-                <a:latin typeface="Trebuchet MS"/>
-                <a:cs typeface="Trebuchet MS"/>
-              </a:rPr>
-              <a:t>visiting</a:t>
-            </a:r>
-            <a:r>
-              <a:rPr sz="900" spc="5" dirty="0">
-                <a:solidFill>
-                  <a:srgbClr val="58595B"/>
-                </a:solidFill>
-                <a:latin typeface="Trebuchet MS"/>
-                <a:cs typeface="Trebuchet MS"/>
-              </a:rPr>
-              <a:t> </a:t>
-            </a:r>
-            <a:r>
-              <a:rPr sz="900" dirty="0">
-                <a:solidFill>
-                  <a:srgbClr val="58595B"/>
-                </a:solidFill>
-                <a:latin typeface="Trebuchet MS"/>
-                <a:cs typeface="Trebuchet MS"/>
-              </a:rPr>
-              <a:t>comparable </a:t>
-            </a:r>
-            <a:r>
-              <a:rPr sz="900" spc="-10" dirty="0">
-                <a:solidFill>
-                  <a:srgbClr val="58595B"/>
-                </a:solidFill>
-                <a:latin typeface="Trebuchet MS"/>
-                <a:cs typeface="Trebuchet MS"/>
-              </a:rPr>
-              <a:t>sites,</a:t>
-            </a:r>
-            <a:r>
-              <a:rPr sz="900" spc="5" dirty="0">
-                <a:solidFill>
-                  <a:srgbClr val="58595B"/>
-                </a:solidFill>
-                <a:latin typeface="Trebuchet MS"/>
-                <a:cs typeface="Trebuchet MS"/>
-              </a:rPr>
-              <a:t> </a:t>
-            </a:r>
-            <a:r>
-              <a:rPr sz="900" spc="-25" dirty="0">
-                <a:solidFill>
-                  <a:srgbClr val="58595B"/>
-                </a:solidFill>
-                <a:latin typeface="Trebuchet MS"/>
-                <a:cs typeface="Trebuchet MS"/>
-              </a:rPr>
-              <a:t>mobile,</a:t>
-            </a:r>
-            <a:r>
-              <a:rPr sz="900" spc="5" dirty="0">
-                <a:solidFill>
-                  <a:srgbClr val="58595B"/>
-                </a:solidFill>
-                <a:latin typeface="Trebuchet MS"/>
-                <a:cs typeface="Trebuchet MS"/>
-              </a:rPr>
-              <a:t> </a:t>
-            </a:r>
-            <a:r>
-              <a:rPr sz="900" dirty="0">
-                <a:solidFill>
-                  <a:srgbClr val="58595B"/>
-                </a:solidFill>
-                <a:latin typeface="Trebuchet MS"/>
-                <a:cs typeface="Trebuchet MS"/>
-              </a:rPr>
-              <a:t>social</a:t>
-            </a:r>
-            <a:r>
-              <a:rPr sz="900" spc="5" dirty="0">
-                <a:solidFill>
-                  <a:srgbClr val="58595B"/>
-                </a:solidFill>
-                <a:latin typeface="Trebuchet MS"/>
-                <a:cs typeface="Trebuchet MS"/>
-              </a:rPr>
-              <a:t> </a:t>
-            </a:r>
-            <a:r>
-              <a:rPr sz="900" spc="-10" dirty="0">
-                <a:solidFill>
-                  <a:srgbClr val="58595B"/>
-                </a:solidFill>
-                <a:latin typeface="Trebuchet MS"/>
-                <a:cs typeface="Trebuchet MS"/>
-              </a:rPr>
-              <a:t>media). </a:t>
-            </a:r>
-            <a:r>
-              <a:rPr sz="900" dirty="0">
-                <a:solidFill>
-                  <a:srgbClr val="58595B"/>
-                </a:solidFill>
-                <a:latin typeface="Trebuchet MS"/>
-                <a:cs typeface="Trebuchet MS"/>
-              </a:rPr>
-              <a:t>What</a:t>
-            </a:r>
-            <a:r>
-              <a:rPr sz="900" spc="-5" dirty="0">
-                <a:solidFill>
-                  <a:srgbClr val="58595B"/>
-                </a:solidFill>
-                <a:latin typeface="Trebuchet MS"/>
-                <a:cs typeface="Trebuchet MS"/>
-              </a:rPr>
-              <a:t> </a:t>
-            </a:r>
-            <a:r>
-              <a:rPr sz="900" dirty="0">
-                <a:solidFill>
-                  <a:srgbClr val="58595B"/>
-                </a:solidFill>
-                <a:latin typeface="Trebuchet MS"/>
-                <a:cs typeface="Trebuchet MS"/>
-              </a:rPr>
-              <a:t>works</a:t>
-            </a:r>
-            <a:r>
-              <a:rPr sz="900" spc="-5" dirty="0">
-                <a:solidFill>
-                  <a:srgbClr val="58595B"/>
-                </a:solidFill>
-                <a:latin typeface="Trebuchet MS"/>
-                <a:cs typeface="Trebuchet MS"/>
-              </a:rPr>
-              <a:t> </a:t>
-            </a:r>
-            <a:r>
-              <a:rPr sz="900" spc="-40" dirty="0">
-                <a:solidFill>
-                  <a:srgbClr val="58595B"/>
-                </a:solidFill>
-                <a:latin typeface="Trebuchet MS"/>
-                <a:cs typeface="Trebuchet MS"/>
-              </a:rPr>
-              <a:t>well,</a:t>
-            </a:r>
-            <a:r>
-              <a:rPr sz="900" spc="-5" dirty="0">
-                <a:solidFill>
-                  <a:srgbClr val="58595B"/>
-                </a:solidFill>
-                <a:latin typeface="Trebuchet MS"/>
-                <a:cs typeface="Trebuchet MS"/>
-              </a:rPr>
-              <a:t> </a:t>
-            </a:r>
-            <a:r>
-              <a:rPr sz="900" spc="-10" dirty="0">
-                <a:solidFill>
-                  <a:srgbClr val="58595B"/>
-                </a:solidFill>
-                <a:latin typeface="Trebuchet MS"/>
-                <a:cs typeface="Trebuchet MS"/>
-              </a:rPr>
-              <a:t>what</a:t>
-            </a:r>
-            <a:r>
-              <a:rPr sz="900" spc="-5" dirty="0">
-                <a:solidFill>
-                  <a:srgbClr val="58595B"/>
-                </a:solidFill>
-                <a:latin typeface="Trebuchet MS"/>
-                <a:cs typeface="Trebuchet MS"/>
-              </a:rPr>
-              <a:t> </a:t>
-            </a:r>
-            <a:r>
-              <a:rPr sz="900" spc="-20" dirty="0">
-                <a:solidFill>
-                  <a:srgbClr val="58595B"/>
-                </a:solidFill>
-                <a:latin typeface="Trebuchet MS"/>
-                <a:cs typeface="Trebuchet MS"/>
-              </a:rPr>
-              <a:t>are</a:t>
-            </a:r>
-            <a:r>
-              <a:rPr sz="900" spc="-5" dirty="0">
-                <a:solidFill>
-                  <a:srgbClr val="58595B"/>
-                </a:solidFill>
-                <a:latin typeface="Trebuchet MS"/>
-                <a:cs typeface="Trebuchet MS"/>
-              </a:rPr>
-              <a:t> </a:t>
-            </a:r>
-            <a:r>
-              <a:rPr sz="900" spc="-20" dirty="0">
-                <a:solidFill>
-                  <a:srgbClr val="58595B"/>
-                </a:solidFill>
-                <a:latin typeface="Trebuchet MS"/>
-                <a:cs typeface="Trebuchet MS"/>
-              </a:rPr>
-              <a:t>the</a:t>
-            </a:r>
-            <a:r>
-              <a:rPr sz="900" spc="-5" dirty="0">
-                <a:solidFill>
-                  <a:srgbClr val="58595B"/>
-                </a:solidFill>
-                <a:latin typeface="Trebuchet MS"/>
-                <a:cs typeface="Trebuchet MS"/>
-              </a:rPr>
-              <a:t> </a:t>
-            </a:r>
-            <a:r>
-              <a:rPr sz="900" spc="-25" dirty="0">
-                <a:solidFill>
-                  <a:srgbClr val="58595B"/>
-                </a:solidFill>
-                <a:latin typeface="Trebuchet MS"/>
-                <a:cs typeface="Trebuchet MS"/>
-              </a:rPr>
-              <a:t>frustrations,</a:t>
-            </a:r>
-            <a:r>
-              <a:rPr sz="900" spc="-5" dirty="0">
-                <a:solidFill>
-                  <a:srgbClr val="58595B"/>
-                </a:solidFill>
-                <a:latin typeface="Trebuchet MS"/>
-                <a:cs typeface="Trebuchet MS"/>
-              </a:rPr>
-              <a:t> </a:t>
-            </a:r>
-            <a:r>
-              <a:rPr sz="900" spc="-10" dirty="0">
-                <a:solidFill>
-                  <a:srgbClr val="58595B"/>
-                </a:solidFill>
-                <a:latin typeface="Trebuchet MS"/>
-                <a:cs typeface="Trebuchet MS"/>
-              </a:rPr>
-              <a:t>what</a:t>
-            </a:r>
-            <a:r>
-              <a:rPr sz="900" dirty="0">
-                <a:solidFill>
-                  <a:srgbClr val="58595B"/>
-                </a:solidFill>
-                <a:latin typeface="Trebuchet MS"/>
-                <a:cs typeface="Trebuchet MS"/>
-              </a:rPr>
-              <a:t> is</a:t>
-            </a:r>
-            <a:r>
-              <a:rPr sz="900" spc="-5" dirty="0">
-                <a:solidFill>
-                  <a:srgbClr val="58595B"/>
-                </a:solidFill>
-                <a:latin typeface="Trebuchet MS"/>
-                <a:cs typeface="Trebuchet MS"/>
-              </a:rPr>
-              <a:t> </a:t>
-            </a:r>
-            <a:r>
-              <a:rPr sz="900" dirty="0">
-                <a:solidFill>
-                  <a:srgbClr val="58595B"/>
-                </a:solidFill>
-                <a:latin typeface="Trebuchet MS"/>
-                <a:cs typeface="Trebuchet MS"/>
-              </a:rPr>
-              <a:t>stopping</a:t>
-            </a:r>
-            <a:r>
-              <a:rPr sz="900" spc="-5" dirty="0">
-                <a:solidFill>
-                  <a:srgbClr val="58595B"/>
-                </a:solidFill>
-                <a:latin typeface="Trebuchet MS"/>
-                <a:cs typeface="Trebuchet MS"/>
-              </a:rPr>
-              <a:t> </a:t>
-            </a:r>
-            <a:r>
-              <a:rPr sz="900" spc="-10" dirty="0">
-                <a:solidFill>
-                  <a:srgbClr val="58595B"/>
-                </a:solidFill>
-                <a:latin typeface="Trebuchet MS"/>
-                <a:cs typeface="Trebuchet MS"/>
-              </a:rPr>
-              <a:t>her</a:t>
-            </a:r>
-            <a:r>
-              <a:rPr sz="900" spc="-5" dirty="0">
-                <a:solidFill>
-                  <a:srgbClr val="58595B"/>
-                </a:solidFill>
-                <a:latin typeface="Trebuchet MS"/>
-                <a:cs typeface="Trebuchet MS"/>
-              </a:rPr>
-              <a:t> </a:t>
-            </a:r>
-            <a:r>
-              <a:rPr sz="900" spc="-25" dirty="0">
-                <a:solidFill>
-                  <a:srgbClr val="58595B"/>
-                </a:solidFill>
-                <a:latin typeface="Trebuchet MS"/>
-                <a:cs typeface="Trebuchet MS"/>
-              </a:rPr>
-              <a:t>from</a:t>
-            </a:r>
-            <a:r>
-              <a:rPr sz="900" spc="-5" dirty="0">
-                <a:solidFill>
-                  <a:srgbClr val="58595B"/>
-                </a:solidFill>
-                <a:latin typeface="Trebuchet MS"/>
-                <a:cs typeface="Trebuchet MS"/>
-              </a:rPr>
-              <a:t> </a:t>
-            </a:r>
-            <a:r>
-              <a:rPr sz="900" dirty="0">
-                <a:solidFill>
-                  <a:srgbClr val="58595B"/>
-                </a:solidFill>
-                <a:latin typeface="Trebuchet MS"/>
-                <a:cs typeface="Trebuchet MS"/>
-              </a:rPr>
-              <a:t>choosing</a:t>
-            </a:r>
-            <a:r>
-              <a:rPr sz="900" spc="-5" dirty="0">
-                <a:solidFill>
-                  <a:srgbClr val="58595B"/>
-                </a:solidFill>
-                <a:latin typeface="Trebuchet MS"/>
-                <a:cs typeface="Trebuchet MS"/>
-              </a:rPr>
-              <a:t> </a:t>
-            </a:r>
-            <a:r>
-              <a:rPr sz="900" dirty="0">
-                <a:solidFill>
-                  <a:srgbClr val="58595B"/>
-                </a:solidFill>
-                <a:latin typeface="Trebuchet MS"/>
-                <a:cs typeface="Trebuchet MS"/>
-              </a:rPr>
-              <a:t>a</a:t>
-            </a:r>
-            <a:r>
-              <a:rPr sz="900" spc="-5" dirty="0">
-                <a:solidFill>
-                  <a:srgbClr val="58595B"/>
-                </a:solidFill>
-                <a:latin typeface="Trebuchet MS"/>
-                <a:cs typeface="Trebuchet MS"/>
-              </a:rPr>
-              <a:t> </a:t>
-            </a:r>
-            <a:r>
-              <a:rPr sz="900" spc="-25" dirty="0">
-                <a:solidFill>
-                  <a:srgbClr val="58595B"/>
-                </a:solidFill>
-                <a:latin typeface="Trebuchet MS"/>
-                <a:cs typeface="Trebuchet MS"/>
-              </a:rPr>
-              <a:t>function,</a:t>
-            </a:r>
-            <a:r>
-              <a:rPr sz="900" dirty="0">
-                <a:solidFill>
-                  <a:srgbClr val="58595B"/>
-                </a:solidFill>
-                <a:latin typeface="Trebuchet MS"/>
-                <a:cs typeface="Trebuchet MS"/>
-              </a:rPr>
-              <a:t> service</a:t>
-            </a:r>
-            <a:r>
-              <a:rPr sz="900" spc="-5" dirty="0">
-                <a:solidFill>
-                  <a:srgbClr val="58595B"/>
-                </a:solidFill>
-                <a:latin typeface="Trebuchet MS"/>
-                <a:cs typeface="Trebuchet MS"/>
-              </a:rPr>
-              <a:t> </a:t>
-            </a:r>
-            <a:r>
-              <a:rPr sz="900" dirty="0">
-                <a:solidFill>
-                  <a:srgbClr val="58595B"/>
-                </a:solidFill>
-                <a:latin typeface="Trebuchet MS"/>
-                <a:cs typeface="Trebuchet MS"/>
-              </a:rPr>
-              <a:t>or</a:t>
-            </a:r>
-            <a:r>
-              <a:rPr sz="900" spc="-5" dirty="0">
-                <a:solidFill>
-                  <a:srgbClr val="58595B"/>
-                </a:solidFill>
-                <a:latin typeface="Trebuchet MS"/>
-                <a:cs typeface="Trebuchet MS"/>
-              </a:rPr>
-              <a:t> </a:t>
-            </a:r>
-            <a:r>
-              <a:rPr sz="900" spc="-10" dirty="0">
-                <a:solidFill>
-                  <a:srgbClr val="58595B"/>
-                </a:solidFill>
-                <a:latin typeface="Trebuchet MS"/>
-                <a:cs typeface="Trebuchet MS"/>
-              </a:rPr>
-              <a:t>product?</a:t>
+              <a:rPr lang="en-US" sz="900" dirty="0">
+                <a:solidFill>
+                  <a:srgbClr val="58595B"/>
+                </a:solidFill>
+                <a:latin typeface="Trebuchet MS"/>
+                <a:cs typeface="Trebuchet MS"/>
+              </a:rPr>
+              <a:t>What does she do? Describe her behavior when engaging with a service, product, or website. Which channels does she use for different needs (social media, websites, mobile apps)? What captures her interest, what frustrates her, and what might prevent her from using a function, service, or product?</a:t>
             </a:r>
             <a:endParaRPr sz="900" dirty="0">
               <a:latin typeface="Trebuchet MS"/>
@@ -10351,7 +9591,27 @@
                 <a:latin typeface="Trebuchet MS"/>
                 <a:cs typeface="Trebuchet MS"/>
               </a:rPr>
-              <a:t>Wat</a:t>
+              <a:t>W</a:t>
+            </a:r>
+            <a:r>
+              <a:rPr lang="de-CH" sz="900" dirty="0">
+                <a:solidFill>
+                  <a:srgbClr val="58595B"/>
+                </a:solidFill>
+                <a:latin typeface="Trebuchet MS"/>
+                <a:cs typeface="Trebuchet MS"/>
+              </a:rPr>
+              <a:t>h</a:t>
+            </a:r>
+            <a:r>
+              <a:rPr sz="900" dirty="0">
+                <a:solidFill>
+                  <a:srgbClr val="58595B"/>
+                </a:solidFill>
+                <a:latin typeface="Trebuchet MS"/>
+                <a:cs typeface="Trebuchet MS"/>
+              </a:rPr>
+              <a:t>at</a:t>
             </a:r>
             <a:r>
               <a:rPr sz="900" spc="-5" dirty="0">
@@ -12212,798 +11472,19 @@
               </a:spcBef>
             </a:pPr>
             <a:r>
-              <a:rPr sz="900" dirty="0">
-                <a:solidFill>
-                  <a:srgbClr val="58595B"/>
-                </a:solidFill>
-                <a:latin typeface="Trebuchet MS"/>
-                <a:cs typeface="Trebuchet MS"/>
-              </a:rPr>
-              <a:t>What does</a:t>
-            </a:r>
-            <a:r>
-              <a:rPr sz="900" spc="5" dirty="0">
-                <a:solidFill>
-                  <a:srgbClr val="58595B"/>
-                </a:solidFill>
-                <a:latin typeface="Trebuchet MS"/>
-                <a:cs typeface="Trebuchet MS"/>
-              </a:rPr>
-              <a:t> </a:t>
-            </a:r>
-            <a:r>
-              <a:rPr sz="900" dirty="0">
-                <a:solidFill>
-                  <a:srgbClr val="58595B"/>
-                </a:solidFill>
-                <a:latin typeface="Trebuchet MS"/>
-                <a:cs typeface="Trebuchet MS"/>
-              </a:rPr>
-              <a:t>she</a:t>
-            </a:r>
-            <a:r>
-              <a:rPr sz="900" spc="5" dirty="0">
-                <a:solidFill>
-                  <a:srgbClr val="58595B"/>
-                </a:solidFill>
-                <a:latin typeface="Trebuchet MS"/>
-                <a:cs typeface="Trebuchet MS"/>
-              </a:rPr>
-              <a:t> </a:t>
-            </a:r>
-            <a:r>
-              <a:rPr sz="900" spc="75" dirty="0">
-                <a:solidFill>
-                  <a:srgbClr val="58595B"/>
-                </a:solidFill>
-                <a:latin typeface="Trebuchet MS"/>
-                <a:cs typeface="Trebuchet MS"/>
-              </a:rPr>
-              <a:t>do?</a:t>
-            </a:r>
-            <a:r>
-              <a:rPr sz="900" spc="5" dirty="0">
-                <a:solidFill>
-                  <a:srgbClr val="58595B"/>
-                </a:solidFill>
-                <a:latin typeface="Trebuchet MS"/>
-                <a:cs typeface="Trebuchet MS"/>
-              </a:rPr>
-              <a:t> </a:t>
-            </a:r>
-            <a:r>
-              <a:rPr sz="900" spc="-70" dirty="0">
-                <a:solidFill>
-                  <a:srgbClr val="58595B"/>
-                </a:solidFill>
-                <a:latin typeface="Trebuchet MS"/>
-                <a:cs typeface="Trebuchet MS"/>
-              </a:rPr>
-              <a:t>Tell</a:t>
-            </a:r>
-            <a:r>
-              <a:rPr sz="900" dirty="0">
-                <a:solidFill>
-                  <a:srgbClr val="58595B"/>
-                </a:solidFill>
-                <a:latin typeface="Trebuchet MS"/>
-                <a:cs typeface="Trebuchet MS"/>
-              </a:rPr>
-              <a:t> stories</a:t>
-            </a:r>
-            <a:r>
-              <a:rPr sz="900" spc="5" dirty="0">
-                <a:solidFill>
-                  <a:srgbClr val="58595B"/>
-                </a:solidFill>
-                <a:latin typeface="Trebuchet MS"/>
-                <a:cs typeface="Trebuchet MS"/>
-              </a:rPr>
-              <a:t> </a:t>
-            </a:r>
-            <a:r>
-              <a:rPr sz="900" dirty="0">
-                <a:solidFill>
-                  <a:srgbClr val="58595B"/>
-                </a:solidFill>
-                <a:latin typeface="Trebuchet MS"/>
-                <a:cs typeface="Trebuchet MS"/>
-              </a:rPr>
-              <a:t>about</a:t>
-            </a:r>
-            <a:r>
-              <a:rPr sz="900" spc="5" dirty="0">
-                <a:solidFill>
-                  <a:srgbClr val="58595B"/>
-                </a:solidFill>
-                <a:latin typeface="Trebuchet MS"/>
-                <a:cs typeface="Trebuchet MS"/>
-              </a:rPr>
-              <a:t> </a:t>
-            </a:r>
-            <a:r>
-              <a:rPr sz="900" spc="-10" dirty="0">
-                <a:solidFill>
-                  <a:srgbClr val="58595B"/>
-                </a:solidFill>
-                <a:latin typeface="Trebuchet MS"/>
-                <a:cs typeface="Trebuchet MS"/>
-              </a:rPr>
-              <a:t>her</a:t>
-            </a:r>
-            <a:r>
-              <a:rPr sz="900" spc="5" dirty="0">
-                <a:solidFill>
-                  <a:srgbClr val="58595B"/>
-                </a:solidFill>
-                <a:latin typeface="Trebuchet MS"/>
-                <a:cs typeface="Trebuchet MS"/>
-              </a:rPr>
-              <a:t> </a:t>
-            </a:r>
-            <a:r>
-              <a:rPr sz="900" dirty="0">
-                <a:solidFill>
-                  <a:srgbClr val="58595B"/>
-                </a:solidFill>
-                <a:latin typeface="Trebuchet MS"/>
-                <a:cs typeface="Trebuchet MS"/>
-              </a:rPr>
-              <a:t>behaviour </a:t>
-            </a:r>
-            <a:r>
-              <a:rPr sz="900" spc="-25" dirty="0">
-                <a:solidFill>
-                  <a:srgbClr val="58595B"/>
-                </a:solidFill>
-                <a:latin typeface="Trebuchet MS"/>
-                <a:cs typeface="Trebuchet MS"/>
-              </a:rPr>
-              <a:t>while</a:t>
-            </a:r>
-            <a:r>
-              <a:rPr sz="900" spc="5" dirty="0">
-                <a:solidFill>
-                  <a:srgbClr val="58595B"/>
-                </a:solidFill>
-                <a:latin typeface="Trebuchet MS"/>
-                <a:cs typeface="Trebuchet MS"/>
-              </a:rPr>
-              <a:t> </a:t>
-            </a:r>
-            <a:r>
-              <a:rPr sz="900" dirty="0">
-                <a:solidFill>
-                  <a:srgbClr val="58595B"/>
-                </a:solidFill>
-                <a:latin typeface="Trebuchet MS"/>
-                <a:cs typeface="Trebuchet MS"/>
-              </a:rPr>
-              <a:t>using</a:t>
-            </a:r>
-            <a:r>
-              <a:rPr sz="900" spc="5" dirty="0">
-                <a:solidFill>
-                  <a:srgbClr val="58595B"/>
-                </a:solidFill>
-                <a:latin typeface="Trebuchet MS"/>
-                <a:cs typeface="Trebuchet MS"/>
-              </a:rPr>
-              <a:t> </a:t>
-            </a:r>
-            <a:r>
-              <a:rPr sz="900" dirty="0">
-                <a:solidFill>
-                  <a:srgbClr val="58595B"/>
-                </a:solidFill>
-                <a:latin typeface="Trebuchet MS"/>
-                <a:cs typeface="Trebuchet MS"/>
-              </a:rPr>
-              <a:t>a </a:t>
-            </a:r>
-            <a:r>
-              <a:rPr sz="900" spc="-10" dirty="0">
-                <a:solidFill>
-                  <a:srgbClr val="58595B"/>
-                </a:solidFill>
-                <a:latin typeface="Trebuchet MS"/>
-                <a:cs typeface="Trebuchet MS"/>
-              </a:rPr>
-              <a:t>service,</a:t>
-            </a:r>
-            <a:r>
-              <a:rPr sz="900" spc="5" dirty="0">
-                <a:solidFill>
-                  <a:srgbClr val="58595B"/>
-                </a:solidFill>
-                <a:latin typeface="Trebuchet MS"/>
-                <a:cs typeface="Trebuchet MS"/>
-              </a:rPr>
-              <a:t> </a:t>
-            </a:r>
-            <a:r>
-              <a:rPr sz="900" dirty="0">
-                <a:solidFill>
-                  <a:srgbClr val="58595B"/>
-                </a:solidFill>
-                <a:latin typeface="Trebuchet MS"/>
-                <a:cs typeface="Trebuchet MS"/>
-              </a:rPr>
-              <a:t>product</a:t>
-            </a:r>
-            <a:r>
-              <a:rPr sz="900" spc="5" dirty="0">
-                <a:solidFill>
-                  <a:srgbClr val="58595B"/>
-                </a:solidFill>
-                <a:latin typeface="Trebuchet MS"/>
-                <a:cs typeface="Trebuchet MS"/>
-              </a:rPr>
-              <a:t> </a:t>
-            </a:r>
-            <a:r>
-              <a:rPr sz="900" dirty="0">
-                <a:solidFill>
-                  <a:srgbClr val="58595B"/>
-                </a:solidFill>
-                <a:latin typeface="Trebuchet MS"/>
-                <a:cs typeface="Trebuchet MS"/>
-              </a:rPr>
-              <a:t>or</a:t>
-            </a:r>
-            <a:r>
-              <a:rPr sz="900" spc="5" dirty="0">
-                <a:solidFill>
-                  <a:srgbClr val="58595B"/>
-                </a:solidFill>
-                <a:latin typeface="Trebuchet MS"/>
-                <a:cs typeface="Trebuchet MS"/>
-              </a:rPr>
-              <a:t> </a:t>
-            </a:r>
-            <a:r>
-              <a:rPr sz="900" spc="-30" dirty="0">
-                <a:solidFill>
-                  <a:srgbClr val="58595B"/>
-                </a:solidFill>
-                <a:latin typeface="Trebuchet MS"/>
-                <a:cs typeface="Trebuchet MS"/>
-              </a:rPr>
-              <a:t>site.</a:t>
-            </a:r>
-            <a:r>
-              <a:rPr sz="900" dirty="0">
-                <a:solidFill>
-                  <a:srgbClr val="58595B"/>
-                </a:solidFill>
-                <a:latin typeface="Trebuchet MS"/>
-                <a:cs typeface="Trebuchet MS"/>
-              </a:rPr>
-              <a:t> Channel</a:t>
-            </a:r>
-            <a:r>
-              <a:rPr sz="900" spc="5" dirty="0">
-                <a:solidFill>
-                  <a:srgbClr val="58595B"/>
-                </a:solidFill>
-                <a:latin typeface="Trebuchet MS"/>
-                <a:cs typeface="Trebuchet MS"/>
-              </a:rPr>
-              <a:t> </a:t>
-            </a:r>
-            <a:r>
-              <a:rPr sz="900" dirty="0">
-                <a:solidFill>
-                  <a:srgbClr val="58595B"/>
-                </a:solidFill>
-                <a:latin typeface="Trebuchet MS"/>
-                <a:cs typeface="Trebuchet MS"/>
-              </a:rPr>
-              <a:t>usage</a:t>
-            </a:r>
-            <a:r>
-              <a:rPr sz="900" spc="5" dirty="0">
-                <a:solidFill>
-                  <a:srgbClr val="58595B"/>
-                </a:solidFill>
-                <a:latin typeface="Trebuchet MS"/>
-                <a:cs typeface="Trebuchet MS"/>
-              </a:rPr>
-              <a:t> </a:t>
-            </a:r>
-            <a:r>
-              <a:rPr sz="900" spc="-35" dirty="0">
-                <a:solidFill>
-                  <a:srgbClr val="58595B"/>
-                </a:solidFill>
-                <a:latin typeface="Trebuchet MS"/>
-                <a:cs typeface="Trebuchet MS"/>
-              </a:rPr>
-              <a:t>for</a:t>
-            </a:r>
-            <a:r>
-              <a:rPr sz="900" spc="5" dirty="0">
-                <a:solidFill>
-                  <a:srgbClr val="58595B"/>
-                </a:solidFill>
-                <a:latin typeface="Trebuchet MS"/>
-                <a:cs typeface="Trebuchet MS"/>
-              </a:rPr>
-              <a:t> </a:t>
-            </a:r>
-            <a:r>
-              <a:rPr sz="900" dirty="0">
-                <a:solidFill>
-                  <a:srgbClr val="58595B"/>
-                </a:solidFill>
-                <a:latin typeface="Trebuchet MS"/>
-                <a:cs typeface="Trebuchet MS"/>
-              </a:rPr>
-              <a:t>various needs</a:t>
-            </a:r>
-            <a:r>
-              <a:rPr sz="900" spc="5" dirty="0">
-                <a:solidFill>
-                  <a:srgbClr val="58595B"/>
-                </a:solidFill>
-                <a:latin typeface="Trebuchet MS"/>
-                <a:cs typeface="Trebuchet MS"/>
-              </a:rPr>
-              <a:t> </a:t>
-            </a:r>
-            <a:r>
-              <a:rPr sz="900" spc="-45" dirty="0">
-                <a:solidFill>
-                  <a:srgbClr val="58595B"/>
-                </a:solidFill>
-                <a:latin typeface="Trebuchet MS"/>
-                <a:cs typeface="Trebuchet MS"/>
-              </a:rPr>
-              <a:t>(internet,</a:t>
-            </a:r>
-            <a:r>
-              <a:rPr sz="900" spc="5" dirty="0">
-                <a:solidFill>
-                  <a:srgbClr val="58595B"/>
-                </a:solidFill>
-                <a:latin typeface="Trebuchet MS"/>
-                <a:cs typeface="Trebuchet MS"/>
-              </a:rPr>
-              <a:t> </a:t>
-            </a:r>
-            <a:r>
-              <a:rPr sz="900" spc="-20" dirty="0">
-                <a:solidFill>
-                  <a:srgbClr val="58595B"/>
-                </a:solidFill>
-                <a:latin typeface="Trebuchet MS"/>
-                <a:cs typeface="Trebuchet MS"/>
-              </a:rPr>
-              <a:t>visiting</a:t>
-            </a:r>
-            <a:r>
-              <a:rPr sz="900" spc="5" dirty="0">
-                <a:solidFill>
-                  <a:srgbClr val="58595B"/>
-                </a:solidFill>
-                <a:latin typeface="Trebuchet MS"/>
-                <a:cs typeface="Trebuchet MS"/>
-              </a:rPr>
-              <a:t> </a:t>
-            </a:r>
-            <a:r>
-              <a:rPr sz="900" dirty="0">
-                <a:solidFill>
-                  <a:srgbClr val="58595B"/>
-                </a:solidFill>
-                <a:latin typeface="Trebuchet MS"/>
-                <a:cs typeface="Trebuchet MS"/>
-              </a:rPr>
-              <a:t>comparable </a:t>
-            </a:r>
-            <a:r>
-              <a:rPr sz="900" spc="-10" dirty="0">
-                <a:solidFill>
-                  <a:srgbClr val="58595B"/>
-                </a:solidFill>
-                <a:latin typeface="Trebuchet MS"/>
-                <a:cs typeface="Trebuchet MS"/>
-              </a:rPr>
-              <a:t>sites,</a:t>
-            </a:r>
-            <a:r>
-              <a:rPr sz="900" spc="5" dirty="0">
-                <a:solidFill>
-                  <a:srgbClr val="58595B"/>
-                </a:solidFill>
-                <a:latin typeface="Trebuchet MS"/>
-                <a:cs typeface="Trebuchet MS"/>
-              </a:rPr>
-              <a:t> </a:t>
-            </a:r>
-            <a:r>
-              <a:rPr sz="900" spc="-25" dirty="0">
-                <a:solidFill>
-                  <a:srgbClr val="58595B"/>
-                </a:solidFill>
-                <a:latin typeface="Trebuchet MS"/>
-                <a:cs typeface="Trebuchet MS"/>
-              </a:rPr>
-              <a:t>mobile,</a:t>
-            </a:r>
-            <a:r>
-              <a:rPr sz="900" spc="5" dirty="0">
-                <a:solidFill>
-                  <a:srgbClr val="58595B"/>
-                </a:solidFill>
-                <a:latin typeface="Trebuchet MS"/>
-                <a:cs typeface="Trebuchet MS"/>
-              </a:rPr>
-              <a:t> </a:t>
-            </a:r>
-            <a:r>
-              <a:rPr sz="900" dirty="0">
-                <a:solidFill>
-                  <a:srgbClr val="58595B"/>
-                </a:solidFill>
-                <a:latin typeface="Trebuchet MS"/>
-                <a:cs typeface="Trebuchet MS"/>
-              </a:rPr>
-              <a:t>social</a:t>
-            </a:r>
-            <a:r>
-              <a:rPr sz="900" spc="5" dirty="0">
-                <a:solidFill>
-                  <a:srgbClr val="58595B"/>
-                </a:solidFill>
-                <a:latin typeface="Trebuchet MS"/>
-                <a:cs typeface="Trebuchet MS"/>
-              </a:rPr>
-              <a:t> </a:t>
-            </a:r>
-            <a:r>
-              <a:rPr sz="900" spc="-10" dirty="0">
-                <a:solidFill>
-                  <a:srgbClr val="58595B"/>
-                </a:solidFill>
-                <a:latin typeface="Trebuchet MS"/>
-                <a:cs typeface="Trebuchet MS"/>
-              </a:rPr>
-              <a:t>media). </a:t>
-            </a:r>
-            <a:r>
-              <a:rPr sz="900" dirty="0">
-                <a:solidFill>
-                  <a:srgbClr val="58595B"/>
-                </a:solidFill>
-                <a:latin typeface="Trebuchet MS"/>
-                <a:cs typeface="Trebuchet MS"/>
-              </a:rPr>
-              <a:t>What</a:t>
-            </a:r>
-            <a:r>
-              <a:rPr sz="900" spc="-5" dirty="0">
-                <a:solidFill>
-                  <a:srgbClr val="58595B"/>
-                </a:solidFill>
-                <a:latin typeface="Trebuchet MS"/>
-                <a:cs typeface="Trebuchet MS"/>
-              </a:rPr>
-              <a:t> </a:t>
-            </a:r>
-            <a:r>
-              <a:rPr sz="900" dirty="0">
-                <a:solidFill>
-                  <a:srgbClr val="58595B"/>
-                </a:solidFill>
-                <a:latin typeface="Trebuchet MS"/>
-                <a:cs typeface="Trebuchet MS"/>
-              </a:rPr>
-              <a:t>works</a:t>
-            </a:r>
-            <a:r>
-              <a:rPr sz="900" spc="-5" dirty="0">
-                <a:solidFill>
-                  <a:srgbClr val="58595B"/>
-                </a:solidFill>
-                <a:latin typeface="Trebuchet MS"/>
-                <a:cs typeface="Trebuchet MS"/>
-              </a:rPr>
-              <a:t> </a:t>
-            </a:r>
-            <a:r>
-              <a:rPr sz="900" spc="-40" dirty="0">
-                <a:solidFill>
-                  <a:srgbClr val="58595B"/>
-                </a:solidFill>
-                <a:latin typeface="Trebuchet MS"/>
-                <a:cs typeface="Trebuchet MS"/>
-              </a:rPr>
-              <a:t>well,</a:t>
-            </a:r>
-            <a:r>
-              <a:rPr sz="900" spc="-5" dirty="0">
-                <a:solidFill>
-                  <a:srgbClr val="58595B"/>
-                </a:solidFill>
-                <a:latin typeface="Trebuchet MS"/>
-                <a:cs typeface="Trebuchet MS"/>
-              </a:rPr>
-              <a:t> </a:t>
-            </a:r>
-            <a:r>
-              <a:rPr sz="900" spc="-10" dirty="0">
-                <a:solidFill>
-                  <a:srgbClr val="58595B"/>
-                </a:solidFill>
-                <a:latin typeface="Trebuchet MS"/>
-                <a:cs typeface="Trebuchet MS"/>
-              </a:rPr>
-              <a:t>what</a:t>
-            </a:r>
-            <a:r>
-              <a:rPr sz="900" spc="-5" dirty="0">
-                <a:solidFill>
-                  <a:srgbClr val="58595B"/>
-                </a:solidFill>
-                <a:latin typeface="Trebuchet MS"/>
-                <a:cs typeface="Trebuchet MS"/>
-              </a:rPr>
-              <a:t> </a:t>
-            </a:r>
-            <a:r>
-              <a:rPr sz="900" spc="-20" dirty="0">
-                <a:solidFill>
-                  <a:srgbClr val="58595B"/>
-                </a:solidFill>
-                <a:latin typeface="Trebuchet MS"/>
-                <a:cs typeface="Trebuchet MS"/>
-              </a:rPr>
-              <a:t>are</a:t>
-            </a:r>
-            <a:r>
-              <a:rPr sz="900" spc="-5" dirty="0">
-                <a:solidFill>
-                  <a:srgbClr val="58595B"/>
-                </a:solidFill>
-                <a:latin typeface="Trebuchet MS"/>
-                <a:cs typeface="Trebuchet MS"/>
-              </a:rPr>
-              <a:t> </a:t>
-            </a:r>
-            <a:r>
-              <a:rPr sz="900" spc="-20" dirty="0">
-                <a:solidFill>
-                  <a:srgbClr val="58595B"/>
-                </a:solidFill>
-                <a:latin typeface="Trebuchet MS"/>
-                <a:cs typeface="Trebuchet MS"/>
-              </a:rPr>
-              <a:t>the</a:t>
-            </a:r>
-            <a:r>
-              <a:rPr sz="900" spc="-5" dirty="0">
-                <a:solidFill>
-                  <a:srgbClr val="58595B"/>
-                </a:solidFill>
-                <a:latin typeface="Trebuchet MS"/>
-                <a:cs typeface="Trebuchet MS"/>
-              </a:rPr>
-              <a:t> </a:t>
-            </a:r>
-            <a:r>
-              <a:rPr sz="900" spc="-25" dirty="0">
-                <a:solidFill>
-                  <a:srgbClr val="58595B"/>
-                </a:solidFill>
-                <a:latin typeface="Trebuchet MS"/>
-                <a:cs typeface="Trebuchet MS"/>
-              </a:rPr>
-              <a:t>frustrations,</a:t>
-            </a:r>
-            <a:r>
-              <a:rPr sz="900" spc="-5" dirty="0">
-                <a:solidFill>
-                  <a:srgbClr val="58595B"/>
-                </a:solidFill>
-                <a:latin typeface="Trebuchet MS"/>
-                <a:cs typeface="Trebuchet MS"/>
-              </a:rPr>
-              <a:t> </a:t>
-            </a:r>
-            <a:r>
-              <a:rPr sz="900" spc="-10" dirty="0">
-                <a:solidFill>
-                  <a:srgbClr val="58595B"/>
-                </a:solidFill>
-                <a:latin typeface="Trebuchet MS"/>
-                <a:cs typeface="Trebuchet MS"/>
-              </a:rPr>
-              <a:t>what</a:t>
-            </a:r>
-            <a:r>
-              <a:rPr sz="900" dirty="0">
-                <a:solidFill>
-                  <a:srgbClr val="58595B"/>
-                </a:solidFill>
-                <a:latin typeface="Trebuchet MS"/>
-                <a:cs typeface="Trebuchet MS"/>
-              </a:rPr>
-              <a:t> is</a:t>
-            </a:r>
-            <a:r>
-              <a:rPr sz="900" spc="-5" dirty="0">
-                <a:solidFill>
-                  <a:srgbClr val="58595B"/>
-                </a:solidFill>
-                <a:latin typeface="Trebuchet MS"/>
-                <a:cs typeface="Trebuchet MS"/>
-              </a:rPr>
-              <a:t> </a:t>
-            </a:r>
-            <a:r>
-              <a:rPr sz="900" dirty="0">
-                <a:solidFill>
-                  <a:srgbClr val="58595B"/>
-                </a:solidFill>
-                <a:latin typeface="Trebuchet MS"/>
-                <a:cs typeface="Trebuchet MS"/>
-              </a:rPr>
-              <a:t>stopping</a:t>
-            </a:r>
-            <a:r>
-              <a:rPr sz="900" spc="-5" dirty="0">
-                <a:solidFill>
-                  <a:srgbClr val="58595B"/>
-                </a:solidFill>
-                <a:latin typeface="Trebuchet MS"/>
-                <a:cs typeface="Trebuchet MS"/>
-              </a:rPr>
-              <a:t> </a:t>
-            </a:r>
-            <a:r>
-              <a:rPr sz="900" spc="-10" dirty="0">
-                <a:solidFill>
-                  <a:srgbClr val="58595B"/>
-                </a:solidFill>
-                <a:latin typeface="Trebuchet MS"/>
-                <a:cs typeface="Trebuchet MS"/>
-              </a:rPr>
-              <a:t>her</a:t>
-            </a:r>
-            <a:r>
-              <a:rPr sz="900" spc="-5" dirty="0">
-                <a:solidFill>
-                  <a:srgbClr val="58595B"/>
-                </a:solidFill>
-                <a:latin typeface="Trebuchet MS"/>
-                <a:cs typeface="Trebuchet MS"/>
-              </a:rPr>
-              <a:t> </a:t>
-            </a:r>
-            <a:r>
-              <a:rPr sz="900" spc="-25" dirty="0">
-                <a:solidFill>
-                  <a:srgbClr val="58595B"/>
-                </a:solidFill>
-                <a:latin typeface="Trebuchet MS"/>
-                <a:cs typeface="Trebuchet MS"/>
-              </a:rPr>
-              <a:t>from</a:t>
-            </a:r>
-            <a:r>
-              <a:rPr sz="900" spc="-5" dirty="0">
-                <a:solidFill>
-                  <a:srgbClr val="58595B"/>
-                </a:solidFill>
-                <a:latin typeface="Trebuchet MS"/>
-                <a:cs typeface="Trebuchet MS"/>
-              </a:rPr>
-              <a:t> </a:t>
-            </a:r>
-            <a:r>
-              <a:rPr sz="900" dirty="0">
-                <a:solidFill>
-                  <a:srgbClr val="58595B"/>
-                </a:solidFill>
-                <a:latin typeface="Trebuchet MS"/>
-                <a:cs typeface="Trebuchet MS"/>
-              </a:rPr>
-              <a:t>choosing</a:t>
-            </a:r>
-            <a:r>
-              <a:rPr sz="900" spc="-5" dirty="0">
-                <a:solidFill>
-                  <a:srgbClr val="58595B"/>
-                </a:solidFill>
-                <a:latin typeface="Trebuchet MS"/>
-                <a:cs typeface="Trebuchet MS"/>
-              </a:rPr>
-              <a:t> </a:t>
-            </a:r>
-            <a:r>
-              <a:rPr sz="900" dirty="0">
-                <a:solidFill>
-                  <a:srgbClr val="58595B"/>
-                </a:solidFill>
-                <a:latin typeface="Trebuchet MS"/>
-                <a:cs typeface="Trebuchet MS"/>
-              </a:rPr>
-              <a:t>a</a:t>
-            </a:r>
-            <a:r>
-              <a:rPr sz="900" spc="-5" dirty="0">
-                <a:solidFill>
-                  <a:srgbClr val="58595B"/>
-                </a:solidFill>
-                <a:latin typeface="Trebuchet MS"/>
-                <a:cs typeface="Trebuchet MS"/>
-              </a:rPr>
-              <a:t> </a:t>
-            </a:r>
-            <a:r>
-              <a:rPr sz="900" spc="-25" dirty="0">
-                <a:solidFill>
-                  <a:srgbClr val="58595B"/>
-                </a:solidFill>
-                <a:latin typeface="Trebuchet MS"/>
-                <a:cs typeface="Trebuchet MS"/>
-              </a:rPr>
-              <a:t>function,</a:t>
-            </a:r>
-            <a:r>
-              <a:rPr sz="900" dirty="0">
-                <a:solidFill>
-                  <a:srgbClr val="58595B"/>
-                </a:solidFill>
-                <a:latin typeface="Trebuchet MS"/>
-                <a:cs typeface="Trebuchet MS"/>
-              </a:rPr>
-              <a:t> service</a:t>
-            </a:r>
-            <a:r>
-              <a:rPr sz="900" spc="-5" dirty="0">
-                <a:solidFill>
-                  <a:srgbClr val="58595B"/>
-                </a:solidFill>
-                <a:latin typeface="Trebuchet MS"/>
-                <a:cs typeface="Trebuchet MS"/>
-              </a:rPr>
-              <a:t> </a:t>
-            </a:r>
-            <a:r>
-              <a:rPr sz="900" dirty="0">
-                <a:solidFill>
-                  <a:srgbClr val="58595B"/>
-                </a:solidFill>
-                <a:latin typeface="Trebuchet MS"/>
-                <a:cs typeface="Trebuchet MS"/>
-              </a:rPr>
-              <a:t>or</a:t>
-            </a:r>
-            <a:r>
-              <a:rPr sz="900" spc="-5" dirty="0">
-                <a:solidFill>
-                  <a:srgbClr val="58595B"/>
-                </a:solidFill>
-                <a:latin typeface="Trebuchet MS"/>
-                <a:cs typeface="Trebuchet MS"/>
-              </a:rPr>
-              <a:t> </a:t>
-            </a:r>
-            <a:r>
-              <a:rPr sz="900" spc="-10" dirty="0">
-                <a:solidFill>
-                  <a:srgbClr val="58595B"/>
-                </a:solidFill>
-                <a:latin typeface="Trebuchet MS"/>
-                <a:cs typeface="Trebuchet MS"/>
-              </a:rPr>
-              <a:t>product?</a:t>
+              <a:rPr lang="en-US" sz="900" dirty="0">
+                <a:solidFill>
+                  <a:srgbClr val="58595B"/>
+                </a:solidFill>
+                <a:latin typeface="Trebuchet MS"/>
+              </a:rPr>
+              <a:t>What does he do? Describe his behavior when using a service, product, or website. Which channels does he use for different needs (internet, mobile, social media)? What works well, what frustrates him, and what prevents him from choosing a particular function, service, or product?</a:t>
             </a:r>
             <a:endParaRPr sz="900" dirty="0">
+              <a:solidFill>
+                <a:srgbClr val="58595B"/>
+              </a:solidFill>
               <a:latin typeface="Trebuchet MS"/>
-              <a:cs typeface="Trebuchet MS"/>
             </a:endParaRPr>
           </a:p>
         </p:txBody>
